--- a/layout.pptx
+++ b/layout.pptx
@@ -9,7 +9,8 @@
     <p:sldId id="261" r:id="rId3"/>
     <p:sldId id="258" r:id="rId4"/>
     <p:sldId id="259" r:id="rId5"/>
-    <p:sldId id="260" r:id="rId6"/>
+    <p:sldId id="262" r:id="rId6"/>
+    <p:sldId id="260" r:id="rId7"/>
   </p:sldIdLst>
   <p:sldSz cx="12192000" cy="6858000"/>
   <p:notesSz cx="6858000" cy="9144000"/>
@@ -4979,6 +4980,517 @@
         <p:cNvPr id="1" name="">
           <a:extLst>
             <a:ext uri="{FF2B5EF4-FFF2-40B4-BE49-F238E27FC236}">
+              <a16:creationId xmlns:a16="http://schemas.microsoft.com/office/drawing/2014/main" id="{CFFF5BA4-E0A9-E6FC-66D5-5932D2DA5381}"/>
+            </a:ext>
+          </a:extLst>
+        </p:cNvPr>
+        <p:cNvGrpSpPr/>
+        <p:nvPr/>
+      </p:nvGrpSpPr>
+      <p:grpSpPr>
+        <a:xfrm>
+          <a:off x="0" y="0"/>
+          <a:ext cx="0" cy="0"/>
+          <a:chOff x="0" y="0"/>
+          <a:chExt cx="0" cy="0"/>
+        </a:xfrm>
+      </p:grpSpPr>
+      <p:sp>
+        <p:nvSpPr>
+          <p:cNvPr id="2" name="직사각형 1">
+            <a:extLst>
+              <a:ext uri="{FF2B5EF4-FFF2-40B4-BE49-F238E27FC236}">
+                <a16:creationId xmlns:a16="http://schemas.microsoft.com/office/drawing/2014/main" id="{8FDC306E-B14C-049E-D873-C897B66A00D6}"/>
+              </a:ext>
+            </a:extLst>
+          </p:cNvPr>
+          <p:cNvSpPr/>
+          <p:nvPr/>
+        </p:nvSpPr>
+        <p:spPr>
+          <a:xfrm>
+            <a:off x="615950" y="241300"/>
+            <a:ext cx="10800000" cy="6480000"/>
+          </a:xfrm>
+          <a:prstGeom prst="rect">
+            <a:avLst/>
+          </a:prstGeom>
+          <a:solidFill>
+            <a:schemeClr val="bg1"/>
+          </a:solidFill>
+          <a:ln>
+            <a:solidFill>
+              <a:schemeClr val="tx1"/>
+            </a:solidFill>
+          </a:ln>
+        </p:spPr>
+        <p:style>
+          <a:lnRef idx="2">
+            <a:schemeClr val="accent1">
+              <a:shade val="15000"/>
+            </a:schemeClr>
+          </a:lnRef>
+          <a:fillRef idx="1">
+            <a:schemeClr val="accent1"/>
+          </a:fillRef>
+          <a:effectRef idx="0">
+            <a:schemeClr val="accent1"/>
+          </a:effectRef>
+          <a:fontRef idx="minor">
+            <a:schemeClr val="lt1"/>
+          </a:fontRef>
+        </p:style>
+        <p:txBody>
+          <a:bodyPr rtlCol="0" anchor="ctr"/>
+          <a:lstStyle/>
+          <a:p>
+            <a:pPr algn="ctr"/>
+            <a:endParaRPr lang="ko-KR" altLang="en-US">
+              <a:ln>
+                <a:solidFill>
+                  <a:sysClr val="windowText" lastClr="000000"/>
+                </a:solidFill>
+              </a:ln>
+            </a:endParaRPr>
+          </a:p>
+        </p:txBody>
+      </p:sp>
+      <p:sp>
+        <p:nvSpPr>
+          <p:cNvPr id="4" name="TextBox 3">
+            <a:extLst>
+              <a:ext uri="{FF2B5EF4-FFF2-40B4-BE49-F238E27FC236}">
+                <a16:creationId xmlns:a16="http://schemas.microsoft.com/office/drawing/2014/main" id="{E6F97346-DE8C-138E-8E2A-A1799A2A6632}"/>
+              </a:ext>
+            </a:extLst>
+          </p:cNvPr>
+          <p:cNvSpPr txBox="1"/>
+          <p:nvPr/>
+        </p:nvSpPr>
+        <p:spPr>
+          <a:xfrm>
+            <a:off x="1041400" y="425450"/>
+            <a:ext cx="6032500" cy="646331"/>
+          </a:xfrm>
+          <a:prstGeom prst="rect">
+            <a:avLst/>
+          </a:prstGeom>
+          <a:noFill/>
+        </p:spPr>
+        <p:txBody>
+          <a:bodyPr wrap="square" rtlCol="0">
+            <a:spAutoFit/>
+          </a:bodyPr>
+          <a:lstStyle/>
+          <a:p>
+            <a:r>
+              <a:rPr lang="ko-KR" altLang="en-US" sz="3600" dirty="0">
+                <a:latin typeface="KoPub바탕체 Medium" panose="02020603020101020101" pitchFamily="18" charset="-127"/>
+                <a:ea typeface="KoPub바탕체 Medium" panose="02020603020101020101" pitchFamily="18" charset="-127"/>
+              </a:rPr>
+              <a:t>사진 업로드 해라</a:t>
+            </a:r>
+          </a:p>
+        </p:txBody>
+      </p:sp>
+      <p:sp>
+        <p:nvSpPr>
+          <p:cNvPr id="5" name="사각형: 둥근 모서리 4">
+            <a:extLst>
+              <a:ext uri="{FF2B5EF4-FFF2-40B4-BE49-F238E27FC236}">
+                <a16:creationId xmlns:a16="http://schemas.microsoft.com/office/drawing/2014/main" id="{D3D72D26-C5FA-E3C9-F53B-E430B8B5C138}"/>
+              </a:ext>
+            </a:extLst>
+          </p:cNvPr>
+          <p:cNvSpPr/>
+          <p:nvPr/>
+        </p:nvSpPr>
+        <p:spPr>
+          <a:xfrm>
+            <a:off x="7391400" y="1187450"/>
+            <a:ext cx="3600450" cy="372378"/>
+          </a:xfrm>
+          <a:prstGeom prst="roundRect">
+            <a:avLst>
+              <a:gd name="adj" fmla="val 0"/>
+            </a:avLst>
+          </a:prstGeom>
+          <a:solidFill>
+            <a:schemeClr val="bg2">
+              <a:lumMod val="25000"/>
+            </a:schemeClr>
+          </a:solidFill>
+        </p:spPr>
+        <p:style>
+          <a:lnRef idx="2">
+            <a:schemeClr val="accent1">
+              <a:shade val="15000"/>
+            </a:schemeClr>
+          </a:lnRef>
+          <a:fillRef idx="1">
+            <a:schemeClr val="accent1"/>
+          </a:fillRef>
+          <a:effectRef idx="0">
+            <a:schemeClr val="accent1"/>
+          </a:effectRef>
+          <a:fontRef idx="minor">
+            <a:schemeClr val="lt1"/>
+          </a:fontRef>
+        </p:style>
+        <p:txBody>
+          <a:bodyPr rtlCol="0" anchor="ctr"/>
+          <a:lstStyle/>
+          <a:p>
+            <a:pPr algn="ctr"/>
+            <a:r>
+              <a:rPr lang="ko-KR" altLang="en-US" dirty="0"/>
+              <a:t>친구</a:t>
+            </a:r>
+          </a:p>
+        </p:txBody>
+      </p:sp>
+      <p:sp>
+        <p:nvSpPr>
+          <p:cNvPr id="3" name="직사각형 2">
+            <a:extLst>
+              <a:ext uri="{FF2B5EF4-FFF2-40B4-BE49-F238E27FC236}">
+                <a16:creationId xmlns:a16="http://schemas.microsoft.com/office/drawing/2014/main" id="{79C49989-D5D1-E3F8-9594-9DB965F94C94}"/>
+              </a:ext>
+            </a:extLst>
+          </p:cNvPr>
+          <p:cNvSpPr/>
+          <p:nvPr/>
+        </p:nvSpPr>
+        <p:spPr>
+          <a:xfrm>
+            <a:off x="1041400" y="1187450"/>
+            <a:ext cx="6210300" cy="3530600"/>
+          </a:xfrm>
+          <a:prstGeom prst="rect">
+            <a:avLst/>
+          </a:prstGeom>
+        </p:spPr>
+        <p:style>
+          <a:lnRef idx="2">
+            <a:schemeClr val="accent1">
+              <a:shade val="15000"/>
+            </a:schemeClr>
+          </a:lnRef>
+          <a:fillRef idx="1">
+            <a:schemeClr val="accent1"/>
+          </a:fillRef>
+          <a:effectRef idx="0">
+            <a:schemeClr val="accent1"/>
+          </a:effectRef>
+          <a:fontRef idx="minor">
+            <a:schemeClr val="lt1"/>
+          </a:fontRef>
+        </p:style>
+        <p:txBody>
+          <a:bodyPr rtlCol="0" anchor="ctr"/>
+          <a:lstStyle/>
+          <a:p>
+            <a:pPr algn="ctr"/>
+            <a:r>
+              <a:rPr lang="ko-KR" altLang="en-US" dirty="0"/>
+              <a:t>대충</a:t>
+            </a:r>
+            <a:r>
+              <a:rPr lang="en-US" altLang="ko-KR" dirty="0"/>
+              <a:t> </a:t>
+            </a:r>
+            <a:r>
+              <a:rPr lang="ko-KR" altLang="en-US" dirty="0"/>
+              <a:t>사진</a:t>
+            </a:r>
+            <a:endParaRPr lang="en-US" altLang="ko-KR" dirty="0"/>
+          </a:p>
+          <a:p>
+            <a:pPr algn="ctr"/>
+            <a:r>
+              <a:rPr lang="en-US" altLang="ko-KR" dirty="0"/>
+              <a:t>(15ch</a:t>
+            </a:r>
+            <a:r>
+              <a:rPr lang="ko-KR" altLang="en-US" dirty="0"/>
+              <a:t>마다</a:t>
+            </a:r>
+            <a:r>
+              <a:rPr lang="en-US" altLang="ko-KR" dirty="0"/>
+              <a:t> </a:t>
+            </a:r>
+            <a:r>
+              <a:rPr lang="ko-KR" altLang="en-US" dirty="0"/>
+              <a:t>다른</a:t>
+            </a:r>
+            <a:r>
+              <a:rPr lang="en-US" altLang="ko-KR" dirty="0"/>
+              <a:t> </a:t>
+            </a:r>
+            <a:r>
+              <a:rPr lang="ko-KR" altLang="en-US" dirty="0"/>
+              <a:t>사진으로</a:t>
+            </a:r>
+            <a:r>
+              <a:rPr lang="en-US" altLang="ko-KR" dirty="0"/>
+              <a:t> </a:t>
+            </a:r>
+            <a:r>
+              <a:rPr lang="ko-KR" altLang="en-US" dirty="0"/>
+              <a:t>랜덤하게</a:t>
+            </a:r>
+            <a:r>
+              <a:rPr lang="en-US" altLang="ko-KR" dirty="0"/>
+              <a:t> </a:t>
+            </a:r>
+            <a:r>
+              <a:rPr lang="ko-KR" altLang="en-US" dirty="0" err="1"/>
+              <a:t>넘어감</a:t>
+            </a:r>
+            <a:r>
+              <a:rPr lang="en-US" altLang="ko-KR" dirty="0"/>
+              <a:t>)</a:t>
+            </a:r>
+            <a:endParaRPr lang="ko-KR" altLang="en-US" dirty="0"/>
+          </a:p>
+        </p:txBody>
+      </p:sp>
+      <p:sp>
+        <p:nvSpPr>
+          <p:cNvPr id="6" name="사각형: 둥근 모서리 5">
+            <a:extLst>
+              <a:ext uri="{FF2B5EF4-FFF2-40B4-BE49-F238E27FC236}">
+                <a16:creationId xmlns:a16="http://schemas.microsoft.com/office/drawing/2014/main" id="{9E33A43E-178A-312F-77F4-BED421301A41}"/>
+              </a:ext>
+            </a:extLst>
+          </p:cNvPr>
+          <p:cNvSpPr/>
+          <p:nvPr/>
+        </p:nvSpPr>
+        <p:spPr>
+          <a:xfrm>
+            <a:off x="7391400" y="1674725"/>
+            <a:ext cx="3600450" cy="372378"/>
+          </a:xfrm>
+          <a:prstGeom prst="roundRect">
+            <a:avLst>
+              <a:gd name="adj" fmla="val 0"/>
+            </a:avLst>
+          </a:prstGeom>
+          <a:solidFill>
+            <a:schemeClr val="bg1"/>
+          </a:solidFill>
+          <a:ln>
+            <a:solidFill>
+              <a:schemeClr val="tx1"/>
+            </a:solidFill>
+          </a:ln>
+        </p:spPr>
+        <p:style>
+          <a:lnRef idx="2">
+            <a:schemeClr val="accent1">
+              <a:shade val="15000"/>
+            </a:schemeClr>
+          </a:lnRef>
+          <a:fillRef idx="1">
+            <a:schemeClr val="accent1"/>
+          </a:fillRef>
+          <a:effectRef idx="0">
+            <a:schemeClr val="accent1"/>
+          </a:effectRef>
+          <a:fontRef idx="minor">
+            <a:schemeClr val="lt1"/>
+          </a:fontRef>
+        </p:style>
+        <p:txBody>
+          <a:bodyPr rtlCol="0" anchor="ctr"/>
+          <a:lstStyle/>
+          <a:p>
+            <a:r>
+              <a:rPr lang="ko-KR" altLang="en-US" dirty="0" err="1">
+                <a:solidFill>
+                  <a:schemeClr val="tx1"/>
+                </a:solidFill>
+              </a:rPr>
+              <a:t>김인서</a:t>
+            </a:r>
+            <a:endParaRPr lang="ko-KR" altLang="en-US" dirty="0">
+              <a:solidFill>
+                <a:schemeClr val="tx1"/>
+              </a:solidFill>
+            </a:endParaRPr>
+          </a:p>
+        </p:txBody>
+      </p:sp>
+      <p:sp>
+        <p:nvSpPr>
+          <p:cNvPr id="7" name="사각형: 둥근 모서리 6">
+            <a:extLst>
+              <a:ext uri="{FF2B5EF4-FFF2-40B4-BE49-F238E27FC236}">
+                <a16:creationId xmlns:a16="http://schemas.microsoft.com/office/drawing/2014/main" id="{1ED3E2C3-1861-0048-FF54-B33E219D0F42}"/>
+              </a:ext>
+            </a:extLst>
+          </p:cNvPr>
+          <p:cNvSpPr/>
+          <p:nvPr/>
+        </p:nvSpPr>
+        <p:spPr>
+          <a:xfrm>
+            <a:off x="7391400" y="2162000"/>
+            <a:ext cx="3600450" cy="372378"/>
+          </a:xfrm>
+          <a:prstGeom prst="roundRect">
+            <a:avLst>
+              <a:gd name="adj" fmla="val 0"/>
+            </a:avLst>
+          </a:prstGeom>
+          <a:solidFill>
+            <a:schemeClr val="bg1"/>
+          </a:solidFill>
+          <a:ln>
+            <a:solidFill>
+              <a:schemeClr val="tx1"/>
+            </a:solidFill>
+          </a:ln>
+        </p:spPr>
+        <p:style>
+          <a:lnRef idx="2">
+            <a:schemeClr val="accent1">
+              <a:shade val="15000"/>
+            </a:schemeClr>
+          </a:lnRef>
+          <a:fillRef idx="1">
+            <a:schemeClr val="accent1"/>
+          </a:fillRef>
+          <a:effectRef idx="0">
+            <a:schemeClr val="accent1"/>
+          </a:effectRef>
+          <a:fontRef idx="minor">
+            <a:schemeClr val="lt1"/>
+          </a:fontRef>
+        </p:style>
+        <p:txBody>
+          <a:bodyPr rtlCol="0" anchor="ctr"/>
+          <a:lstStyle/>
+          <a:p>
+            <a:r>
+              <a:rPr lang="ko-KR" altLang="en-US" dirty="0">
+                <a:solidFill>
+                  <a:schemeClr val="tx1"/>
+                </a:solidFill>
+              </a:rPr>
+              <a:t>서울 동래</a:t>
+            </a:r>
+          </a:p>
+        </p:txBody>
+      </p:sp>
+      <p:sp>
+        <p:nvSpPr>
+          <p:cNvPr id="8" name="사각형: 둥근 모서리 7">
+            <a:extLst>
+              <a:ext uri="{FF2B5EF4-FFF2-40B4-BE49-F238E27FC236}">
+                <a16:creationId xmlns:a16="http://schemas.microsoft.com/office/drawing/2014/main" id="{45B4B546-430A-B1CF-E802-5535422BC7E8}"/>
+              </a:ext>
+            </a:extLst>
+          </p:cNvPr>
+          <p:cNvSpPr/>
+          <p:nvPr/>
+        </p:nvSpPr>
+        <p:spPr>
+          <a:xfrm>
+            <a:off x="7391400" y="2649275"/>
+            <a:ext cx="3600450" cy="1026836"/>
+          </a:xfrm>
+          <a:prstGeom prst="roundRect">
+            <a:avLst>
+              <a:gd name="adj" fmla="val 0"/>
+            </a:avLst>
+          </a:prstGeom>
+          <a:solidFill>
+            <a:schemeClr val="bg1"/>
+          </a:solidFill>
+          <a:ln>
+            <a:solidFill>
+              <a:schemeClr val="tx1"/>
+            </a:solidFill>
+          </a:ln>
+        </p:spPr>
+        <p:style>
+          <a:lnRef idx="2">
+            <a:schemeClr val="accent1">
+              <a:shade val="15000"/>
+            </a:schemeClr>
+          </a:lnRef>
+          <a:fillRef idx="1">
+            <a:schemeClr val="accent1"/>
+          </a:fillRef>
+          <a:effectRef idx="0">
+            <a:schemeClr val="accent1"/>
+          </a:effectRef>
+          <a:fontRef idx="minor">
+            <a:schemeClr val="lt1"/>
+          </a:fontRef>
+        </p:style>
+        <p:txBody>
+          <a:bodyPr rtlCol="0" anchor="ctr"/>
+          <a:lstStyle/>
+          <a:p>
+            <a:r>
+              <a:rPr lang="en-US" altLang="ko-KR" dirty="0">
+                <a:solidFill>
+                  <a:schemeClr val="tx1"/>
+                </a:solidFill>
+              </a:rPr>
+              <a:t>SKYST </a:t>
+            </a:r>
+            <a:r>
+              <a:rPr lang="ko-KR" altLang="en-US" dirty="0">
+                <a:solidFill>
+                  <a:schemeClr val="tx1"/>
+                </a:solidFill>
+              </a:rPr>
+              <a:t>하러 왔다</a:t>
+            </a:r>
+            <a:r>
+              <a:rPr lang="en-US" altLang="ko-KR" dirty="0">
+                <a:solidFill>
+                  <a:schemeClr val="tx1"/>
+                </a:solidFill>
+              </a:rPr>
+              <a:t>. </a:t>
+            </a:r>
+            <a:r>
+              <a:rPr lang="ko-KR" altLang="en-US" dirty="0">
+                <a:solidFill>
+                  <a:schemeClr val="tx1"/>
+                </a:solidFill>
+              </a:rPr>
+              <a:t>재밌었다</a:t>
+            </a:r>
+          </a:p>
+        </p:txBody>
+      </p:sp>
+    </p:spTree>
+    <p:extLst>
+      <p:ext uri="{BB962C8B-B14F-4D97-AF65-F5344CB8AC3E}">
+        <p14:creationId xmlns:p14="http://schemas.microsoft.com/office/powerpoint/2010/main" val="1223069995"/>
+      </p:ext>
+    </p:extLst>
+  </p:cSld>
+  <p:clrMapOvr>
+    <a:masterClrMapping/>
+  </p:clrMapOvr>
+</p:sld>
+</file>
+
+<file path=ppt/slides/slide6.xml><?xml version="1.0" encoding="utf-8"?>
+<p:sld xmlns:a="http://schemas.openxmlformats.org/drawingml/2006/main" xmlns:r="http://schemas.openxmlformats.org/officeDocument/2006/relationships" xmlns:p="http://schemas.openxmlformats.org/presentationml/2006/main">
+  <p:cSld>
+    <p:spTree>
+      <p:nvGrpSpPr>
+        <p:cNvPr id="1" name="">
+          <a:extLst>
+            <a:ext uri="{FF2B5EF4-FFF2-40B4-BE49-F238E27FC236}">
               <a16:creationId xmlns:a16="http://schemas.microsoft.com/office/drawing/2014/main" id="{0E01293E-56D7-9711-CA89-8DD31C71D17E}"/>
             </a:ext>
           </a:extLst>

--- a/layout.pptx
+++ b/layout.pptx
@@ -4758,7 +4758,7 @@
         </p:nvSpPr>
         <p:spPr>
           <a:xfrm>
-            <a:off x="7391400" y="1674725"/>
+            <a:off x="7391400" y="2047103"/>
             <a:ext cx="3600450" cy="372378"/>
           </a:xfrm>
           <a:prstGeom prst="roundRect">
@@ -4825,7 +4825,7 @@
         </p:nvSpPr>
         <p:spPr>
           <a:xfrm>
-            <a:off x="7391400" y="2162000"/>
+            <a:off x="7391400" y="2534378"/>
             <a:ext cx="3600450" cy="372378"/>
           </a:xfrm>
           <a:prstGeom prst="roundRect">
@@ -4887,7 +4887,7 @@
         </p:nvSpPr>
         <p:spPr>
           <a:xfrm>
-            <a:off x="7391400" y="2649275"/>
+            <a:off x="7391400" y="3021653"/>
             <a:ext cx="3600450" cy="1026836"/>
           </a:xfrm>
           <a:prstGeom prst="roundRect">
@@ -4955,6 +4955,132 @@
                 </a:solidFill>
               </a:rPr>
               <a:t>재밌었다</a:t>
+            </a:r>
+          </a:p>
+        </p:txBody>
+      </p:sp>
+      <p:sp>
+        <p:nvSpPr>
+          <p:cNvPr id="9" name="사각형: 둥근 모서리 8">
+            <a:extLst>
+              <a:ext uri="{FF2B5EF4-FFF2-40B4-BE49-F238E27FC236}">
+                <a16:creationId xmlns:a16="http://schemas.microsoft.com/office/drawing/2014/main" id="{4C408AED-3204-CFE6-F9A0-86DEDA324C39}"/>
+              </a:ext>
+            </a:extLst>
+          </p:cNvPr>
+          <p:cNvSpPr/>
+          <p:nvPr/>
+        </p:nvSpPr>
+        <p:spPr>
+          <a:xfrm>
+            <a:off x="7391400" y="1643646"/>
+            <a:ext cx="3600450" cy="372378"/>
+          </a:xfrm>
+          <a:prstGeom prst="roundRect">
+            <a:avLst>
+              <a:gd name="adj" fmla="val 0"/>
+            </a:avLst>
+          </a:prstGeom>
+          <a:solidFill>
+            <a:schemeClr val="bg1"/>
+          </a:solidFill>
+          <a:ln>
+            <a:solidFill>
+              <a:schemeClr val="tx1"/>
+            </a:solidFill>
+          </a:ln>
+        </p:spPr>
+        <p:style>
+          <a:lnRef idx="2">
+            <a:schemeClr val="accent1">
+              <a:shade val="15000"/>
+            </a:schemeClr>
+          </a:lnRef>
+          <a:fillRef idx="1">
+            <a:schemeClr val="accent1"/>
+          </a:fillRef>
+          <a:effectRef idx="0">
+            <a:schemeClr val="accent1"/>
+          </a:effectRef>
+          <a:fontRef idx="minor">
+            <a:schemeClr val="lt1"/>
+          </a:fontRef>
+        </p:style>
+        <p:txBody>
+          <a:bodyPr rtlCol="0" anchor="ctr"/>
+          <a:lstStyle/>
+          <a:p>
+            <a:r>
+              <a:rPr lang="en-US" altLang="ko-KR" dirty="0">
+                <a:solidFill>
+                  <a:schemeClr val="tx1"/>
+                </a:solidFill>
+              </a:rPr>
+              <a:t>SYST </a:t>
+            </a:r>
+            <a:r>
+              <a:rPr lang="ko-KR" altLang="en-US" dirty="0">
+                <a:solidFill>
+                  <a:schemeClr val="tx1"/>
+                </a:solidFill>
+              </a:rPr>
+              <a:t>방문</a:t>
+            </a:r>
+          </a:p>
+        </p:txBody>
+      </p:sp>
+      <p:sp>
+        <p:nvSpPr>
+          <p:cNvPr id="10" name="사각형: 둥근 모서리 9">
+            <a:extLst>
+              <a:ext uri="{FF2B5EF4-FFF2-40B4-BE49-F238E27FC236}">
+                <a16:creationId xmlns:a16="http://schemas.microsoft.com/office/drawing/2014/main" id="{7EC22575-F5AD-73CC-FFF1-1B5450D2CF92}"/>
+              </a:ext>
+            </a:extLst>
+          </p:cNvPr>
+          <p:cNvSpPr/>
+          <p:nvPr/>
+        </p:nvSpPr>
+        <p:spPr>
+          <a:xfrm>
+            <a:off x="7391400" y="4252331"/>
+            <a:ext cx="3600450" cy="372378"/>
+          </a:xfrm>
+          <a:prstGeom prst="roundRect">
+            <a:avLst>
+              <a:gd name="adj" fmla="val 0"/>
+            </a:avLst>
+          </a:prstGeom>
+          <a:solidFill>
+            <a:schemeClr val="bg2">
+              <a:lumMod val="25000"/>
+            </a:schemeClr>
+          </a:solidFill>
+        </p:spPr>
+        <p:style>
+          <a:lnRef idx="2">
+            <a:schemeClr val="accent1">
+              <a:shade val="15000"/>
+            </a:schemeClr>
+          </a:lnRef>
+          <a:fillRef idx="1">
+            <a:schemeClr val="accent1"/>
+          </a:fillRef>
+          <a:effectRef idx="0">
+            <a:schemeClr val="accent1"/>
+          </a:effectRef>
+          <a:fontRef idx="minor">
+            <a:schemeClr val="lt1"/>
+          </a:fontRef>
+        </p:style>
+        <p:txBody>
+          <a:bodyPr rtlCol="0" anchor="ctr"/>
+          <a:lstStyle/>
+          <a:p>
+            <a:pPr algn="ctr"/>
+            <a:r>
+              <a:rPr lang="ko-KR" altLang="en-US" dirty="0"/>
+              <a:t>업로드</a:t>
             </a:r>
           </a:p>
         </p:txBody>
